--- a/Presentation.pptx
+++ b/Presentation.pptx
@@ -479,7 +479,7 @@
           <a:p>
             <a:fld id="{1D8BD707-D9CF-40AE-B4C6-C98DA3205C09}" type="datetimeFigureOut">
               <a:rPr lang="en-US"/>
-              <a:t>10/23/2024</a:t>
+              <a:t>11/1/2024</a:t>
             </a:fld>
             <a:endParaRPr lang="en-US"/>
           </a:p>
@@ -815,7 +815,7 @@
           <a:p>
             <a:fld id="{1D8BD707-D9CF-40AE-B4C6-C98DA3205C09}" type="datetimeFigureOut">
               <a:rPr lang="en-US"/>
-              <a:t>10/23/2024</a:t>
+              <a:t>11/1/2024</a:t>
             </a:fld>
             <a:endParaRPr lang="en-US"/>
           </a:p>
@@ -1190,7 +1190,7 @@
           <a:p>
             <a:fld id="{1D8BD707-D9CF-40AE-B4C6-C98DA3205C09}" type="datetimeFigureOut">
               <a:rPr lang="en-US"/>
-              <a:t>10/23/2024</a:t>
+              <a:t>11/1/2024</a:t>
             </a:fld>
             <a:endParaRPr lang="en-US"/>
           </a:p>
@@ -1499,7 +1499,7 @@
           <a:p>
             <a:fld id="{1D8BD707-D9CF-40AE-B4C6-C98DA3205C09}" type="datetimeFigureOut">
               <a:rPr lang="en-US"/>
-              <a:t>10/23/2024</a:t>
+              <a:t>11/1/2024</a:t>
             </a:fld>
             <a:endParaRPr lang="en-US"/>
           </a:p>
@@ -1787,7 +1787,7 @@
           <a:p>
             <a:fld id="{1D8BD707-D9CF-40AE-B4C6-C98DA3205C09}" type="datetimeFigureOut">
               <a:rPr lang="en-US"/>
-              <a:t>10/23/2024</a:t>
+              <a:t>11/1/2024</a:t>
             </a:fld>
             <a:endParaRPr lang="en-US"/>
           </a:p>
@@ -2193,7 +2193,7 @@
           <a:p>
             <a:fld id="{1D8BD707-D9CF-40AE-B4C6-C98DA3205C09}" type="datetimeFigureOut">
               <a:rPr lang="en-US"/>
-              <a:t>10/23/2024</a:t>
+              <a:t>11/1/2024</a:t>
             </a:fld>
             <a:endParaRPr lang="en-US"/>
           </a:p>
@@ -3094,13 +3094,13 @@
   <p:clrMapOvr>
     <a:masterClrMapping/>
   </p:clrMapOvr>
-  <mc:AlternateContent xmlns:mc="http://schemas.openxmlformats.org/markup-compatibility/2006">
-    <mc:Choice xmlns:p14="http://schemas.microsoft.com/office/powerpoint/2010/main" Requires="p14">
+  <mc:AlternateContent xmlns:mc="http://schemas.openxmlformats.org/markup-compatibility/2006" xmlns:p14="http://schemas.microsoft.com/office/powerpoint/2010/main">
+    <mc:Choice Requires="p14">
       <p:transition spd="med" p14:dur="700">
         <p:fade/>
       </p:transition>
     </mc:Choice>
-    <mc:Fallback>
+    <mc:Fallback xmlns="">
       <p:transition spd="med">
         <p:fade/>
       </p:transition>
@@ -3562,13 +3562,13 @@
   <p:clrMapOvr>
     <a:masterClrMapping/>
   </p:clrMapOvr>
-  <mc:AlternateContent xmlns:mc="http://schemas.openxmlformats.org/markup-compatibility/2006">
-    <mc:Choice xmlns:p14="http://schemas.microsoft.com/office/powerpoint/2010/main" Requires="p14">
+  <mc:AlternateContent xmlns:mc="http://schemas.openxmlformats.org/markup-compatibility/2006" xmlns:p14="http://schemas.microsoft.com/office/powerpoint/2010/main">
+    <mc:Choice Requires="p14">
       <p:transition spd="med" p14:dur="700">
         <p:fade/>
       </p:transition>
     </mc:Choice>
-    <mc:Fallback>
+    <mc:Fallback xmlns="">
       <p:transition spd="med">
         <p:fade/>
       </p:transition>
@@ -4126,13 +4126,13 @@
   <p:clrMapOvr>
     <a:masterClrMapping/>
   </p:clrMapOvr>
-  <mc:AlternateContent xmlns:mc="http://schemas.openxmlformats.org/markup-compatibility/2006">
-    <mc:Choice xmlns:p14="http://schemas.microsoft.com/office/powerpoint/2010/main" Requires="p14">
+  <mc:AlternateContent xmlns:mc="http://schemas.openxmlformats.org/markup-compatibility/2006" xmlns:p14="http://schemas.microsoft.com/office/powerpoint/2010/main">
+    <mc:Choice Requires="p14">
       <p:transition spd="med" p14:dur="700">
         <p:fade/>
       </p:transition>
     </mc:Choice>
-    <mc:Fallback>
+    <mc:Fallback xmlns="">
       <p:transition spd="med">
         <p:fade/>
       </p:transition>
@@ -4656,13 +4656,13 @@
   <p:clrMapOvr>
     <a:masterClrMapping/>
   </p:clrMapOvr>
-  <mc:AlternateContent xmlns:mc="http://schemas.openxmlformats.org/markup-compatibility/2006">
-    <mc:Choice xmlns:p14="http://schemas.microsoft.com/office/powerpoint/2010/main" Requires="p14">
+  <mc:AlternateContent xmlns:mc="http://schemas.openxmlformats.org/markup-compatibility/2006" xmlns:p14="http://schemas.microsoft.com/office/powerpoint/2010/main">
+    <mc:Choice Requires="p14">
       <p:transition spd="med" p14:dur="700">
         <p:fade/>
       </p:transition>
     </mc:Choice>
-    <mc:Fallback>
+    <mc:Fallback xmlns="">
       <p:transition spd="med">
         <p:fade/>
       </p:transition>
@@ -5210,13 +5210,13 @@
   <p:clrMapOvr>
     <a:masterClrMapping/>
   </p:clrMapOvr>
-  <mc:AlternateContent xmlns:mc="http://schemas.openxmlformats.org/markup-compatibility/2006">
-    <mc:Choice xmlns:p14="http://schemas.microsoft.com/office/powerpoint/2010/main" Requires="p14">
+  <mc:AlternateContent xmlns:mc="http://schemas.openxmlformats.org/markup-compatibility/2006" xmlns:p14="http://schemas.microsoft.com/office/powerpoint/2010/main">
+    <mc:Choice Requires="p14">
       <p:transition spd="med" p14:dur="700">
         <p:fade/>
       </p:transition>
     </mc:Choice>
-    <mc:Fallback>
+    <mc:Fallback xmlns="">
       <p:transition spd="med">
         <p:fade/>
       </p:transition>
@@ -5768,13 +5768,13 @@
   <p:clrMapOvr>
     <a:masterClrMapping/>
   </p:clrMapOvr>
-  <mc:AlternateContent xmlns:mc="http://schemas.openxmlformats.org/markup-compatibility/2006">
-    <mc:Choice xmlns:p14="http://schemas.microsoft.com/office/powerpoint/2010/main" Requires="p14">
+  <mc:AlternateContent xmlns:mc="http://schemas.openxmlformats.org/markup-compatibility/2006" xmlns:p14="http://schemas.microsoft.com/office/powerpoint/2010/main">
+    <mc:Choice Requires="p14">
       <p:transition spd="med" p14:dur="700">
         <p:fade/>
       </p:transition>
     </mc:Choice>
-    <mc:Fallback>
+    <mc:Fallback xmlns="">
       <p:transition spd="med">
         <p:fade/>
       </p:transition>
@@ -6346,13 +6346,13 @@
   <p:clrMapOvr>
     <a:masterClrMapping/>
   </p:clrMapOvr>
-  <mc:AlternateContent xmlns:mc="http://schemas.openxmlformats.org/markup-compatibility/2006">
-    <mc:Choice xmlns:p14="http://schemas.microsoft.com/office/powerpoint/2010/main" Requires="p14">
+  <mc:AlternateContent xmlns:mc="http://schemas.openxmlformats.org/markup-compatibility/2006" xmlns:p14="http://schemas.microsoft.com/office/powerpoint/2010/main">
+    <mc:Choice Requires="p14">
       <p:transition spd="med" p14:dur="700">
         <p:fade/>
       </p:transition>
     </mc:Choice>
-    <mc:Fallback>
+    <mc:Fallback xmlns="">
       <p:transition spd="med">
         <p:fade/>
       </p:transition>
@@ -6876,13 +6876,13 @@
   <p:clrMapOvr>
     <a:masterClrMapping/>
   </p:clrMapOvr>
-  <mc:AlternateContent xmlns:mc="http://schemas.openxmlformats.org/markup-compatibility/2006">
-    <mc:Choice xmlns:p14="http://schemas.microsoft.com/office/powerpoint/2010/main" Requires="p14">
+  <mc:AlternateContent xmlns:mc="http://schemas.openxmlformats.org/markup-compatibility/2006" xmlns:p14="http://schemas.microsoft.com/office/powerpoint/2010/main">
+    <mc:Choice Requires="p14">
       <p:transition spd="med" p14:dur="700">
         <p:fade/>
       </p:transition>
     </mc:Choice>
-    <mc:Fallback>
+    <mc:Fallback xmlns="">
       <p:transition spd="med">
         <p:fade/>
       </p:transition>
@@ -7458,13 +7458,13 @@
   <p:clrMapOvr>
     <a:masterClrMapping/>
   </p:clrMapOvr>
-  <mc:AlternateContent xmlns:mc="http://schemas.openxmlformats.org/markup-compatibility/2006">
-    <mc:Choice xmlns:p14="http://schemas.microsoft.com/office/powerpoint/2010/main" Requires="p14">
+  <mc:AlternateContent xmlns:mc="http://schemas.openxmlformats.org/markup-compatibility/2006" xmlns:p14="http://schemas.microsoft.com/office/powerpoint/2010/main">
+    <mc:Choice Requires="p14">
       <p:transition spd="med" p14:dur="700">
         <p:fade/>
       </p:transition>
     </mc:Choice>
-    <mc:Fallback>
+    <mc:Fallback xmlns="">
       <p:transition spd="med">
         <p:fade/>
       </p:transition>
@@ -8019,13 +8019,13 @@
   <p:clrMapOvr>
     <a:masterClrMapping/>
   </p:clrMapOvr>
-  <mc:AlternateContent xmlns:mc="http://schemas.openxmlformats.org/markup-compatibility/2006">
-    <mc:Choice xmlns:p14="http://schemas.microsoft.com/office/powerpoint/2010/main" Requires="p14">
+  <mc:AlternateContent xmlns:mc="http://schemas.openxmlformats.org/markup-compatibility/2006" xmlns:p14="http://schemas.microsoft.com/office/powerpoint/2010/main">
+    <mc:Choice Requires="p14">
       <p:transition spd="med" p14:dur="700">
         <p:fade/>
       </p:transition>
     </mc:Choice>
-    <mc:Fallback>
+    <mc:Fallback xmlns="">
       <p:transition spd="med">
         <p:fade/>
       </p:transition>
@@ -8489,13 +8489,13 @@
   <p:clrMapOvr>
     <a:masterClrMapping/>
   </p:clrMapOvr>
-  <mc:AlternateContent xmlns:mc="http://schemas.openxmlformats.org/markup-compatibility/2006">
-    <mc:Choice xmlns:p14="http://schemas.microsoft.com/office/powerpoint/2010/main" Requires="p14">
+  <mc:AlternateContent xmlns:mc="http://schemas.openxmlformats.org/markup-compatibility/2006" xmlns:p14="http://schemas.microsoft.com/office/powerpoint/2010/main">
+    <mc:Choice Requires="p14">
       <p:transition spd="med" p14:dur="700">
         <p:fade/>
       </p:transition>
     </mc:Choice>
-    <mc:Fallback>
+    <mc:Fallback xmlns="">
       <p:transition spd="med">
         <p:fade/>
       </p:transition>
@@ -8798,7 +8798,7 @@
         <p:spPr>
           <a:xfrm>
             <a:off x="2186293" y="3070988"/>
-            <a:ext cx="14722419" cy="6129755"/>
+            <a:ext cx="14722419" cy="4430315"/>
           </a:xfrm>
           <a:prstGeom prst="rect">
             <a:avLst/>
@@ -8864,7 +8864,7 @@
               </a:rPr>
               <a:t>:</a:t>
             </a:r>
-            <a:endParaRPr sz="4800">
+            <a:endParaRPr sz="4800" dirty="0">
               <a:latin typeface="Times New Roman"/>
               <a:cs typeface="Times New Roman"/>
             </a:endParaRPr>
@@ -8878,7 +8878,7 @@
                 <a:spcPts val="45"/>
               </a:spcBef>
             </a:pPr>
-            <a:endParaRPr sz="5450">
+            <a:endParaRPr sz="5450" dirty="0">
               <a:latin typeface="Times New Roman"/>
               <a:cs typeface="Times New Roman"/>
             </a:endParaRPr>
@@ -8889,109 +8889,21 @@
                 <a:latin typeface="Arial"/>
                 <a:cs typeface="Arial"/>
               </a:rPr>
-              <a:t>   Osama Mohamed Megahed</a:t>
-            </a:r>
-            <a:endParaRPr lang="en-US" sz="3600" dirty="0">
-              <a:latin typeface="Arial"/>
-              <a:cs typeface="Arial"/>
-            </a:endParaRPr>
-          </a:p>
-          <a:p>
-            <a:pPr marL="755650">
-              <a:lnSpc>
-                <a:spcPts val="4300"/>
-              </a:lnSpc>
-            </a:pPr>
-            <a:r>
-              <a:rPr sz="3600" b="1" dirty="0">
-                <a:latin typeface="Arial"/>
-                <a:cs typeface="Arial"/>
-              </a:rPr>
-              <a:t>Mayar</a:t>
-            </a:r>
-            <a:r>
-              <a:rPr sz="3600" b="1" spc="-35" dirty="0">
-                <a:latin typeface="Arial"/>
-                <a:cs typeface="Arial"/>
-              </a:rPr>
-              <a:t> </a:t>
-            </a:r>
-            <a:r>
-              <a:rPr sz="3600" b="1" dirty="0">
-                <a:latin typeface="Arial"/>
-                <a:cs typeface="Arial"/>
-              </a:rPr>
-              <a:t>Magdy</a:t>
-            </a:r>
-            <a:r>
-              <a:rPr sz="3600" b="1" spc="-30" dirty="0">
-                <a:latin typeface="Arial"/>
-                <a:cs typeface="Arial"/>
-              </a:rPr>
-              <a:t> </a:t>
-            </a:r>
-            <a:r>
-              <a:rPr sz="3600" b="1" dirty="0">
-                <a:latin typeface="Arial"/>
-                <a:cs typeface="Arial"/>
-              </a:rPr>
-              <a:t>Morkos</a:t>
-            </a:r>
-            <a:endParaRPr sz="3600">
-              <a:latin typeface="Arial"/>
-              <a:cs typeface="Arial"/>
-            </a:endParaRPr>
-          </a:p>
-          <a:p>
-            <a:pPr marL="755650" marR="5972810">
-              <a:lnSpc>
-                <a:spcPts val="4280"/>
-              </a:lnSpc>
-              <a:spcBef>
-                <a:spcPts val="155"/>
-              </a:spcBef>
-            </a:pPr>
-            <a:r>
-              <a:rPr sz="3600" b="1" dirty="0">
-                <a:latin typeface="Arial"/>
-                <a:cs typeface="Arial"/>
-              </a:rPr>
-              <a:t>Ahmed</a:t>
-            </a:r>
-            <a:r>
-              <a:rPr sz="3600" b="1" spc="-50" dirty="0">
-                <a:latin typeface="Arial"/>
-                <a:cs typeface="Arial"/>
-              </a:rPr>
-              <a:t> </a:t>
+              <a:t>     </a:t>
+            </a:r>
+            <a:r>
+              <a:rPr lang="en-US" sz="3600" b="1" dirty="0" err="1">
+                <a:latin typeface="Arial"/>
+                <a:cs typeface="Arial"/>
+              </a:rPr>
+              <a:t>Ebraheem</a:t>
             </a:r>
             <a:r>
               <a:rPr lang="en-US" sz="3600" b="1" dirty="0">
                 <a:latin typeface="Arial"/>
                 <a:cs typeface="Arial"/>
               </a:rPr>
-              <a:t>Hesham Mohamed</a:t>
-            </a:r>
-            <a:endParaRPr lang="en-US" sz="3600" dirty="0">
-              <a:latin typeface="Arial"/>
-              <a:cs typeface="Arial"/>
-            </a:endParaRPr>
-          </a:p>
-          <a:p>
-            <a:pPr marL="755650" marR="5972810">
-              <a:lnSpc>
-                <a:spcPts val="4280"/>
-              </a:lnSpc>
-              <a:spcBef>
-                <a:spcPts val="155"/>
-              </a:spcBef>
-            </a:pPr>
-            <a:r>
-              <a:rPr lang="en-US" sz="3600" b="1" dirty="0">
-                <a:latin typeface="Arial"/>
-                <a:cs typeface="Arial"/>
-              </a:rPr>
-              <a:t>Ebraheem Ragab Mohamed</a:t>
+              <a:t> Ragab Mohamed</a:t>
             </a:r>
             <a:endParaRPr dirty="0"/>
           </a:p>
@@ -9009,14 +8921,16 @@
                 <a:latin typeface="Arial"/>
                 <a:cs typeface="Arial"/>
               </a:rPr>
-              <a:t>Kareem Abdelfattah</a:t>
-            </a:r>
-          </a:p>
-          <a:p>
-            <a:endParaRPr lang="en-US" sz="4000">
-              <a:solidFill>
-                <a:srgbClr val="000000"/>
-              </a:solidFill>
+              <a:t> </a:t>
+            </a:r>
+            <a:r>
+              <a:rPr lang="en-US" sz="3600" b="1" dirty="0" err="1">
+                <a:latin typeface="Arial"/>
+                <a:cs typeface="Arial"/>
+              </a:rPr>
+              <a:t>Tokka</a:t>
+            </a:r>
+            <a:endParaRPr lang="en-US" sz="3600" b="1" dirty="0">
               <a:latin typeface="Arial"/>
               <a:cs typeface="Arial"/>
             </a:endParaRPr>
@@ -9028,6 +8942,23 @@
               </a:lnSpc>
             </a:pPr>
             <a:r>
+              <a:rPr lang="en-US" sz="4000" b="1" spc="30" dirty="0">
+                <a:solidFill>
+                  <a:srgbClr val="000000"/>
+                </a:solidFill>
+                <a:latin typeface="Arial"/>
+                <a:cs typeface="Arial"/>
+              </a:rPr>
+              <a:t>	Mariam Naeem</a:t>
+            </a:r>
+          </a:p>
+          <a:p>
+            <a:pPr marL="12700" marR="5080">
+              <a:lnSpc>
+                <a:spcPct val="100699"/>
+              </a:lnSpc>
+            </a:pPr>
+            <a:r>
               <a:rPr sz="3600" b="1" spc="30" dirty="0">
                 <a:solidFill>
                   <a:srgbClr val="2D74B5"/>
@@ -9118,7 +9049,7 @@
               </a:rPr>
               <a:t>prediction-dataset</a:t>
             </a:r>
-            <a:endParaRPr sz="3600">
+            <a:endParaRPr sz="3600" dirty="0">
               <a:latin typeface="Times New Roman"/>
               <a:cs typeface="Times New Roman"/>
             </a:endParaRPr>
@@ -9422,13 +9353,13 @@
   <p:clrMapOvr>
     <a:masterClrMapping/>
   </p:clrMapOvr>
-  <mc:AlternateContent xmlns:mc="http://schemas.openxmlformats.org/markup-compatibility/2006">
-    <mc:Choice xmlns:p14="http://schemas.microsoft.com/office/powerpoint/2010/main" Requires="p14">
+  <mc:AlternateContent xmlns:mc="http://schemas.openxmlformats.org/markup-compatibility/2006" xmlns:p14="http://schemas.microsoft.com/office/powerpoint/2010/main">
+    <mc:Choice Requires="p14">
       <p:transition spd="med" p14:dur="700">
         <p:fade/>
       </p:transition>
     </mc:Choice>
-    <mc:Fallback>
+    <mc:Fallback xmlns="">
       <p:transition spd="med">
         <p:fade/>
       </p:transition>
@@ -10008,13 +9939,13 @@
   <p:clrMapOvr>
     <a:masterClrMapping/>
   </p:clrMapOvr>
-  <mc:AlternateContent xmlns:mc="http://schemas.openxmlformats.org/markup-compatibility/2006">
-    <mc:Choice xmlns:p14="http://schemas.microsoft.com/office/powerpoint/2010/main" Requires="p14">
+  <mc:AlternateContent xmlns:mc="http://schemas.openxmlformats.org/markup-compatibility/2006" xmlns:p14="http://schemas.microsoft.com/office/powerpoint/2010/main">
+    <mc:Choice Requires="p14">
       <p:transition spd="med" p14:dur="700">
         <p:fade/>
       </p:transition>
     </mc:Choice>
-    <mc:Fallback>
+    <mc:Fallback xmlns="">
       <p:transition spd="med">
         <p:fade/>
       </p:transition>
@@ -10267,13 +10198,13 @@
   <p:clrMapOvr>
     <a:masterClrMapping/>
   </p:clrMapOvr>
-  <mc:AlternateContent xmlns:mc="http://schemas.openxmlformats.org/markup-compatibility/2006">
-    <mc:Choice xmlns:p14="http://schemas.microsoft.com/office/powerpoint/2010/main" Requires="p14">
+  <mc:AlternateContent xmlns:mc="http://schemas.openxmlformats.org/markup-compatibility/2006" xmlns:p14="http://schemas.microsoft.com/office/powerpoint/2010/main">
+    <mc:Choice Requires="p14">
       <p:transition spd="med" p14:dur="700">
         <p:fade/>
       </p:transition>
     </mc:Choice>
-    <mc:Fallback>
+    <mc:Fallback xmlns="">
       <p:transition spd="med">
         <p:fade/>
       </p:transition>
@@ -10841,13 +10772,13 @@
   <p:clrMapOvr>
     <a:masterClrMapping/>
   </p:clrMapOvr>
-  <mc:AlternateContent xmlns:mc="http://schemas.openxmlformats.org/markup-compatibility/2006">
-    <mc:Choice xmlns:p14="http://schemas.microsoft.com/office/powerpoint/2010/main" Requires="p14">
+  <mc:AlternateContent xmlns:mc="http://schemas.openxmlformats.org/markup-compatibility/2006" xmlns:p14="http://schemas.microsoft.com/office/powerpoint/2010/main">
+    <mc:Choice Requires="p14">
       <p:transition spd="med" p14:dur="700">
         <p:fade/>
       </p:transition>
     </mc:Choice>
-    <mc:Fallback>
+    <mc:Fallback xmlns="">
       <p:transition spd="med">
         <p:fade/>
       </p:transition>
@@ -11576,13 +11507,13 @@
   <p:clrMapOvr>
     <a:masterClrMapping/>
   </p:clrMapOvr>
-  <mc:AlternateContent xmlns:mc="http://schemas.openxmlformats.org/markup-compatibility/2006">
-    <mc:Choice xmlns:p14="http://schemas.microsoft.com/office/powerpoint/2010/main" Requires="p14">
+  <mc:AlternateContent xmlns:mc="http://schemas.openxmlformats.org/markup-compatibility/2006" xmlns:p14="http://schemas.microsoft.com/office/powerpoint/2010/main">
+    <mc:Choice Requires="p14">
       <p:transition spd="med" p14:dur="700">
         <p:fade/>
       </p:transition>
     </mc:Choice>
-    <mc:Fallback>
+    <mc:Fallback xmlns="">
       <p:transition spd="med">
         <p:fade/>
       </p:transition>
@@ -11811,13 +11742,13 @@
   <p:clrMapOvr>
     <a:masterClrMapping/>
   </p:clrMapOvr>
-  <mc:AlternateContent xmlns:mc="http://schemas.openxmlformats.org/markup-compatibility/2006">
-    <mc:Choice xmlns:p14="http://schemas.microsoft.com/office/powerpoint/2010/main" Requires="p14">
+  <mc:AlternateContent xmlns:mc="http://schemas.openxmlformats.org/markup-compatibility/2006" xmlns:p14="http://schemas.microsoft.com/office/powerpoint/2010/main">
+    <mc:Choice Requires="p14">
       <p:transition spd="med" p14:dur="700">
         <p:fade/>
       </p:transition>
     </mc:Choice>
-    <mc:Fallback>
+    <mc:Fallback xmlns="">
       <p:transition spd="med">
         <p:fade/>
       </p:transition>
@@ -13827,13 +13758,13 @@
   <p:clrMapOvr>
     <a:masterClrMapping/>
   </p:clrMapOvr>
-  <mc:AlternateContent xmlns:mc="http://schemas.openxmlformats.org/markup-compatibility/2006">
-    <mc:Choice xmlns:p14="http://schemas.microsoft.com/office/powerpoint/2010/main" Requires="p14">
+  <mc:AlternateContent xmlns:mc="http://schemas.openxmlformats.org/markup-compatibility/2006" xmlns:p14="http://schemas.microsoft.com/office/powerpoint/2010/main">
+    <mc:Choice Requires="p14">
       <p:transition spd="med" p14:dur="700">
         <p:fade/>
       </p:transition>
     </mc:Choice>
-    <mc:Fallback>
+    <mc:Fallback xmlns="">
       <p:transition spd="med">
         <p:fade/>
       </p:transition>
@@ -14484,13 +14415,13 @@
   <p:clrMapOvr>
     <a:masterClrMapping/>
   </p:clrMapOvr>
-  <mc:AlternateContent xmlns:mc="http://schemas.openxmlformats.org/markup-compatibility/2006">
-    <mc:Choice xmlns:p14="http://schemas.microsoft.com/office/powerpoint/2010/main" Requires="p14">
+  <mc:AlternateContent xmlns:mc="http://schemas.openxmlformats.org/markup-compatibility/2006" xmlns:p14="http://schemas.microsoft.com/office/powerpoint/2010/main">
+    <mc:Choice Requires="p14">
       <p:transition spd="med" p14:dur="700">
         <p:fade/>
       </p:transition>
     </mc:Choice>
-    <mc:Fallback>
+    <mc:Fallback xmlns="">
       <p:transition spd="med">
         <p:fade/>
       </p:transition>
@@ -15256,13 +15187,13 @@
   <p:clrMapOvr>
     <a:masterClrMapping/>
   </p:clrMapOvr>
-  <mc:AlternateContent xmlns:mc="http://schemas.openxmlformats.org/markup-compatibility/2006">
-    <mc:Choice xmlns:p14="http://schemas.microsoft.com/office/powerpoint/2010/main" Requires="p14">
+  <mc:AlternateContent xmlns:mc="http://schemas.openxmlformats.org/markup-compatibility/2006" xmlns:p14="http://schemas.microsoft.com/office/powerpoint/2010/main">
+    <mc:Choice Requires="p14">
       <p:transition spd="med" p14:dur="700">
         <p:fade/>
       </p:transition>
     </mc:Choice>
-    <mc:Fallback>
+    <mc:Fallback xmlns="">
       <p:transition spd="med">
         <p:fade/>
       </p:transition>
@@ -16118,13 +16049,13 @@
   <p:clrMapOvr>
     <a:masterClrMapping/>
   </p:clrMapOvr>
-  <mc:AlternateContent xmlns:mc="http://schemas.openxmlformats.org/markup-compatibility/2006">
-    <mc:Choice xmlns:p14="http://schemas.microsoft.com/office/powerpoint/2010/main" Requires="p14">
+  <mc:AlternateContent xmlns:mc="http://schemas.openxmlformats.org/markup-compatibility/2006" xmlns:p14="http://schemas.microsoft.com/office/powerpoint/2010/main">
+    <mc:Choice Requires="p14">
       <p:transition spd="med" p14:dur="700">
         <p:fade/>
       </p:transition>
     </mc:Choice>
-    <mc:Fallback>
+    <mc:Fallback xmlns="">
       <p:transition spd="med">
         <p:fade/>
       </p:transition>
@@ -16587,13 +16518,13 @@
   <p:clrMapOvr>
     <a:masterClrMapping/>
   </p:clrMapOvr>
-  <mc:AlternateContent xmlns:mc="http://schemas.openxmlformats.org/markup-compatibility/2006">
-    <mc:Choice xmlns:p14="http://schemas.microsoft.com/office/powerpoint/2010/main" Requires="p14">
+  <mc:AlternateContent xmlns:mc="http://schemas.openxmlformats.org/markup-compatibility/2006" xmlns:p14="http://schemas.microsoft.com/office/powerpoint/2010/main">
+    <mc:Choice Requires="p14">
       <p:transition spd="med" p14:dur="700">
         <p:fade/>
       </p:transition>
     </mc:Choice>
-    <mc:Fallback>
+    <mc:Fallback xmlns="">
       <p:transition spd="med">
         <p:fade/>
       </p:transition>
@@ -17754,13 +17685,13 @@
   <p:clrMapOvr>
     <a:masterClrMapping/>
   </p:clrMapOvr>
-  <mc:AlternateContent xmlns:mc="http://schemas.openxmlformats.org/markup-compatibility/2006">
-    <mc:Choice xmlns:p14="http://schemas.microsoft.com/office/powerpoint/2010/main" Requires="p14">
+  <mc:AlternateContent xmlns:mc="http://schemas.openxmlformats.org/markup-compatibility/2006" xmlns:p14="http://schemas.microsoft.com/office/powerpoint/2010/main">
+    <mc:Choice Requires="p14">
       <p:transition spd="med" p14:dur="700">
         <p:fade/>
       </p:transition>
     </mc:Choice>
-    <mc:Fallback>
+    <mc:Fallback xmlns="">
       <p:transition spd="med">
         <p:fade/>
       </p:transition>
@@ -17964,13 +17895,13 @@
   <p:clrMapOvr>
     <a:masterClrMapping/>
   </p:clrMapOvr>
-  <mc:AlternateContent xmlns:mc="http://schemas.openxmlformats.org/markup-compatibility/2006">
-    <mc:Choice xmlns:p14="http://schemas.microsoft.com/office/powerpoint/2010/main" Requires="p14">
+  <mc:AlternateContent xmlns:mc="http://schemas.openxmlformats.org/markup-compatibility/2006" xmlns:p14="http://schemas.microsoft.com/office/powerpoint/2010/main">
+    <mc:Choice Requires="p14">
       <p:transition spd="med" p14:dur="700">
         <p:fade/>
       </p:transition>
     </mc:Choice>
-    <mc:Fallback>
+    <mc:Fallback xmlns="">
       <p:transition spd="med">
         <p:fade/>
       </p:transition>
@@ -18252,13 +18183,13 @@
   <p:clrMapOvr>
     <a:masterClrMapping/>
   </p:clrMapOvr>
-  <mc:AlternateContent xmlns:mc="http://schemas.openxmlformats.org/markup-compatibility/2006">
-    <mc:Choice xmlns:p14="http://schemas.microsoft.com/office/powerpoint/2010/main" Requires="p14">
+  <mc:AlternateContent xmlns:mc="http://schemas.openxmlformats.org/markup-compatibility/2006" xmlns:p14="http://schemas.microsoft.com/office/powerpoint/2010/main">
+    <mc:Choice Requires="p14">
       <p:transition spd="med" p14:dur="700">
         <p:fade/>
       </p:transition>
     </mc:Choice>
-    <mc:Fallback>
+    <mc:Fallback xmlns="">
       <p:transition spd="med">
         <p:fade/>
       </p:transition>
@@ -18852,13 +18783,13 @@
   <p:clrMapOvr>
     <a:masterClrMapping/>
   </p:clrMapOvr>
-  <mc:AlternateContent xmlns:mc="http://schemas.openxmlformats.org/markup-compatibility/2006">
-    <mc:Choice xmlns:p14="http://schemas.microsoft.com/office/powerpoint/2010/main" Requires="p14">
+  <mc:AlternateContent xmlns:mc="http://schemas.openxmlformats.org/markup-compatibility/2006" xmlns:p14="http://schemas.microsoft.com/office/powerpoint/2010/main">
+    <mc:Choice Requires="p14">
       <p:transition spd="med" p14:dur="700">
         <p:fade/>
       </p:transition>
     </mc:Choice>
-    <mc:Fallback>
+    <mc:Fallback xmlns="">
       <p:transition spd="med">
         <p:fade/>
       </p:transition>
@@ -19051,13 +18982,13 @@
   <p:clrMapOvr>
     <a:masterClrMapping/>
   </p:clrMapOvr>
-  <mc:AlternateContent xmlns:mc="http://schemas.openxmlformats.org/markup-compatibility/2006">
-    <mc:Choice xmlns:p14="http://schemas.microsoft.com/office/powerpoint/2010/main" Requires="p14">
+  <mc:AlternateContent xmlns:mc="http://schemas.openxmlformats.org/markup-compatibility/2006" xmlns:p14="http://schemas.microsoft.com/office/powerpoint/2010/main">
+    <mc:Choice Requires="p14">
       <p:transition spd="med" p14:dur="700">
         <p:fade/>
       </p:transition>
     </mc:Choice>
-    <mc:Fallback>
+    <mc:Fallback xmlns="">
       <p:transition spd="med">
         <p:fade/>
       </p:transition>
@@ -19261,13 +19192,13 @@
   <p:clrMapOvr>
     <a:masterClrMapping/>
   </p:clrMapOvr>
-  <mc:AlternateContent xmlns:mc="http://schemas.openxmlformats.org/markup-compatibility/2006">
-    <mc:Choice xmlns:p14="http://schemas.microsoft.com/office/powerpoint/2010/main" Requires="p14">
+  <mc:AlternateContent xmlns:mc="http://schemas.openxmlformats.org/markup-compatibility/2006" xmlns:p14="http://schemas.microsoft.com/office/powerpoint/2010/main">
+    <mc:Choice Requires="p14">
       <p:transition spd="med" p14:dur="700">
         <p:fade/>
       </p:transition>
     </mc:Choice>
-    <mc:Fallback>
+    <mc:Fallback xmlns="">
       <p:transition spd="med">
         <p:fade/>
       </p:transition>
@@ -19468,13 +19399,13 @@
   <p:clrMapOvr>
     <a:masterClrMapping/>
   </p:clrMapOvr>
-  <mc:AlternateContent xmlns:mc="http://schemas.openxmlformats.org/markup-compatibility/2006">
-    <mc:Choice xmlns:p14="http://schemas.microsoft.com/office/powerpoint/2010/main" Requires="p14">
+  <mc:AlternateContent xmlns:mc="http://schemas.openxmlformats.org/markup-compatibility/2006" xmlns:p14="http://schemas.microsoft.com/office/powerpoint/2010/main">
+    <mc:Choice Requires="p14">
       <p:transition spd="med" p14:dur="700">
         <p:fade/>
       </p:transition>
     </mc:Choice>
-    <mc:Fallback>
+    <mc:Fallback xmlns="">
       <p:transition spd="med">
         <p:fade/>
       </p:transition>
@@ -19659,13 +19590,13 @@
   <p:clrMapOvr>
     <a:masterClrMapping/>
   </p:clrMapOvr>
-  <mc:AlternateContent xmlns:mc="http://schemas.openxmlformats.org/markup-compatibility/2006">
-    <mc:Choice xmlns:p14="http://schemas.microsoft.com/office/powerpoint/2010/main" Requires="p14">
+  <mc:AlternateContent xmlns:mc="http://schemas.openxmlformats.org/markup-compatibility/2006" xmlns:p14="http://schemas.microsoft.com/office/powerpoint/2010/main">
+    <mc:Choice Requires="p14">
       <p:transition spd="med" p14:dur="700">
         <p:fade/>
       </p:transition>
     </mc:Choice>
-    <mc:Fallback>
+    <mc:Fallback xmlns="">
       <p:transition spd="med">
         <p:fade/>
       </p:transition>
@@ -19853,13 +19784,13 @@
   <p:clrMapOvr>
     <a:masterClrMapping/>
   </p:clrMapOvr>
-  <mc:AlternateContent xmlns:mc="http://schemas.openxmlformats.org/markup-compatibility/2006">
-    <mc:Choice xmlns:p14="http://schemas.microsoft.com/office/powerpoint/2010/main" Requires="p14">
+  <mc:AlternateContent xmlns:mc="http://schemas.openxmlformats.org/markup-compatibility/2006" xmlns:p14="http://schemas.microsoft.com/office/powerpoint/2010/main">
+    <mc:Choice Requires="p14">
       <p:transition spd="med" p14:dur="700">
         <p:fade/>
       </p:transition>
     </mc:Choice>
-    <mc:Fallback>
+    <mc:Fallback xmlns="">
       <p:transition spd="med">
         <p:fade/>
       </p:transition>
@@ -20069,13 +20000,13 @@
   <p:clrMapOvr>
     <a:masterClrMapping/>
   </p:clrMapOvr>
-  <mc:AlternateContent xmlns:mc="http://schemas.openxmlformats.org/markup-compatibility/2006">
-    <mc:Choice xmlns:p14="http://schemas.microsoft.com/office/powerpoint/2010/main" Requires="p14">
+  <mc:AlternateContent xmlns:mc="http://schemas.openxmlformats.org/markup-compatibility/2006" xmlns:p14="http://schemas.microsoft.com/office/powerpoint/2010/main">
+    <mc:Choice Requires="p14">
       <p:transition spd="med" p14:dur="700">
         <p:fade/>
       </p:transition>
     </mc:Choice>
-    <mc:Fallback>
+    <mc:Fallback xmlns="">
       <p:transition spd="med">
         <p:fade/>
       </p:transition>
@@ -20536,13 +20467,13 @@
   <p:clrMapOvr>
     <a:masterClrMapping/>
   </p:clrMapOvr>
-  <mc:AlternateContent xmlns:mc="http://schemas.openxmlformats.org/markup-compatibility/2006">
-    <mc:Choice xmlns:p14="http://schemas.microsoft.com/office/powerpoint/2010/main" Requires="p14">
+  <mc:AlternateContent xmlns:mc="http://schemas.openxmlformats.org/markup-compatibility/2006" xmlns:p14="http://schemas.microsoft.com/office/powerpoint/2010/main">
+    <mc:Choice Requires="p14">
       <p:transition spd="med" p14:dur="700">
         <p:fade/>
       </p:transition>
     </mc:Choice>
-    <mc:Fallback>
+    <mc:Fallback xmlns="">
       <p:transition spd="med">
         <p:fade/>
       </p:transition>
@@ -24022,13 +23953,13 @@
   <p:clrMapOvr>
     <a:masterClrMapping/>
   </p:clrMapOvr>
-  <mc:AlternateContent xmlns:mc="http://schemas.openxmlformats.org/markup-compatibility/2006">
-    <mc:Choice xmlns:p14="http://schemas.microsoft.com/office/powerpoint/2010/main" Requires="p14">
+  <mc:AlternateContent xmlns:mc="http://schemas.openxmlformats.org/markup-compatibility/2006" xmlns:p14="http://schemas.microsoft.com/office/powerpoint/2010/main">
+    <mc:Choice Requires="p14">
       <p:transition spd="med" p14:dur="700">
         <p:fade/>
       </p:transition>
     </mc:Choice>
-    <mc:Fallback>
+    <mc:Fallback xmlns="">
       <p:transition spd="med">
         <p:fade/>
       </p:transition>
@@ -25025,13 +24956,13 @@
   <p:clrMapOvr>
     <a:masterClrMapping/>
   </p:clrMapOvr>
-  <mc:AlternateContent xmlns:mc="http://schemas.openxmlformats.org/markup-compatibility/2006">
-    <mc:Choice xmlns:p14="http://schemas.microsoft.com/office/powerpoint/2010/main" Requires="p14">
+  <mc:AlternateContent xmlns:mc="http://schemas.openxmlformats.org/markup-compatibility/2006" xmlns:p14="http://schemas.microsoft.com/office/powerpoint/2010/main">
+    <mc:Choice Requires="p14">
       <p:transition spd="med" p14:dur="700">
         <p:fade/>
       </p:transition>
     </mc:Choice>
-    <mc:Fallback>
+    <mc:Fallback xmlns="">
       <p:transition spd="med">
         <p:fade/>
       </p:transition>
@@ -25521,13 +25452,13 @@
   <p:clrMapOvr>
     <a:masterClrMapping/>
   </p:clrMapOvr>
-  <mc:AlternateContent xmlns:mc="http://schemas.openxmlformats.org/markup-compatibility/2006">
-    <mc:Choice xmlns:p14="http://schemas.microsoft.com/office/powerpoint/2010/main" Requires="p14">
+  <mc:AlternateContent xmlns:mc="http://schemas.openxmlformats.org/markup-compatibility/2006" xmlns:p14="http://schemas.microsoft.com/office/powerpoint/2010/main">
+    <mc:Choice Requires="p14">
       <p:transition spd="med" p14:dur="700">
         <p:fade/>
       </p:transition>
     </mc:Choice>
-    <mc:Fallback>
+    <mc:Fallback xmlns="">
       <p:transition spd="med">
         <p:fade/>
       </p:transition>
@@ -26360,13 +26291,13 @@
   <p:clrMapOvr>
     <a:masterClrMapping/>
   </p:clrMapOvr>
-  <mc:AlternateContent xmlns:mc="http://schemas.openxmlformats.org/markup-compatibility/2006">
-    <mc:Choice xmlns:p14="http://schemas.microsoft.com/office/powerpoint/2010/main" Requires="p14">
+  <mc:AlternateContent xmlns:mc="http://schemas.openxmlformats.org/markup-compatibility/2006" xmlns:p14="http://schemas.microsoft.com/office/powerpoint/2010/main">
+    <mc:Choice Requires="p14">
       <p:transition spd="med" p14:dur="700">
         <p:fade/>
       </p:transition>
     </mc:Choice>
-    <mc:Fallback>
+    <mc:Fallback xmlns="">
       <p:transition spd="med">
         <p:fade/>
       </p:transition>
@@ -28491,13 +28422,13 @@
   <p:clrMapOvr>
     <a:masterClrMapping/>
   </p:clrMapOvr>
-  <mc:AlternateContent xmlns:mc="http://schemas.openxmlformats.org/markup-compatibility/2006">
-    <mc:Choice xmlns:p14="http://schemas.microsoft.com/office/powerpoint/2010/main" Requires="p14">
+  <mc:AlternateContent xmlns:mc="http://schemas.openxmlformats.org/markup-compatibility/2006" xmlns:p14="http://schemas.microsoft.com/office/powerpoint/2010/main">
+    <mc:Choice Requires="p14">
       <p:transition spd="med" p14:dur="700">
         <p:fade/>
       </p:transition>
     </mc:Choice>
-    <mc:Fallback>
+    <mc:Fallback xmlns="">
       <p:transition spd="med">
         <p:fade/>
       </p:transition>
